--- a/Presentation/20181007_Rabin.pptx
+++ b/Presentation/20181007_Rabin.pptx
@@ -229,7 +229,7 @@
             <a:fld id="{CB3D2ACE-279A-4319-8204-FE4A3DAF1277}" type="datetimeFigureOut">
               <a:rPr lang="en-US" smtClean="0"/>
               <a:pPr/>
-              <a:t>10/8/18</a:t>
+              <a:t>9/5/19</a:t>
             </a:fld>
             <a:endParaRPr lang="en-US"/>
           </a:p>
@@ -2641,7 +2641,7 @@
             <a:fld id="{B61BEF0D-F0BB-DE4B-95CE-6DB70DBA9567}" type="datetimeFigureOut">
               <a:rPr lang="en-US" smtClean="0"/>
               <a:pPr/>
-              <a:t>10/8/18</a:t>
+              <a:t>9/5/19</a:t>
             </a:fld>
             <a:endParaRPr lang="en-US" dirty="0"/>
           </a:p>
@@ -2822,7 +2822,7 @@
             <a:fld id="{B61BEF0D-F0BB-DE4B-95CE-6DB70DBA9567}" type="datetimeFigureOut">
               <a:rPr lang="en-US" smtClean="0"/>
               <a:pPr/>
-              <a:t>10/8/18</a:t>
+              <a:t>9/5/19</a:t>
             </a:fld>
             <a:endParaRPr lang="en-US" dirty="0"/>
           </a:p>
@@ -3004,7 +3004,7 @@
             <a:fld id="{B61BEF0D-F0BB-DE4B-95CE-6DB70DBA9567}" type="datetimeFigureOut">
               <a:rPr lang="en-US" smtClean="0"/>
               <a:pPr/>
-              <a:t>10/8/18</a:t>
+              <a:t>9/5/19</a:t>
             </a:fld>
             <a:endParaRPr lang="en-US" dirty="0"/>
           </a:p>
@@ -3176,7 +3176,7 @@
             <a:fld id="{B61BEF0D-F0BB-DE4B-95CE-6DB70DBA9567}" type="datetimeFigureOut">
               <a:rPr lang="en-US" smtClean="0"/>
               <a:pPr/>
-              <a:t>10/8/18</a:t>
+              <a:t>9/5/19</a:t>
             </a:fld>
             <a:endParaRPr lang="en-US" dirty="0"/>
           </a:p>
@@ -3491,7 +3491,7 @@
             <a:fld id="{B61BEF0D-F0BB-DE4B-95CE-6DB70DBA9567}" type="datetimeFigureOut">
               <a:rPr lang="en-US" smtClean="0"/>
               <a:pPr/>
-              <a:t>10/8/18</a:t>
+              <a:t>9/5/19</a:t>
             </a:fld>
             <a:endParaRPr lang="en-US" dirty="0"/>
           </a:p>
@@ -3879,7 +3879,7 @@
             <a:fld id="{B61BEF0D-F0BB-DE4B-95CE-6DB70DBA9567}" type="datetimeFigureOut">
               <a:rPr lang="en-US" smtClean="0"/>
               <a:pPr/>
-              <a:t>10/8/18</a:t>
+              <a:t>9/5/19</a:t>
             </a:fld>
             <a:endParaRPr lang="en-US" dirty="0"/>
           </a:p>
@@ -4315,7 +4315,7 @@
             <a:fld id="{B61BEF0D-F0BB-DE4B-95CE-6DB70DBA9567}" type="datetimeFigureOut">
               <a:rPr lang="en-US" smtClean="0"/>
               <a:pPr/>
-              <a:t>10/8/18</a:t>
+              <a:t>9/5/19</a:t>
             </a:fld>
             <a:endParaRPr lang="en-US" dirty="0"/>
           </a:p>
@@ -4435,7 +4435,7 @@
             <a:fld id="{B61BEF0D-F0BB-DE4B-95CE-6DB70DBA9567}" type="datetimeFigureOut">
               <a:rPr lang="en-US" smtClean="0"/>
               <a:pPr/>
-              <a:t>10/8/18</a:t>
+              <a:t>9/5/19</a:t>
             </a:fld>
             <a:endParaRPr lang="en-US" dirty="0"/>
           </a:p>
@@ -4532,7 +4532,7 @@
             <a:fld id="{B61BEF0D-F0BB-DE4B-95CE-6DB70DBA9567}" type="datetimeFigureOut">
               <a:rPr lang="en-US" smtClean="0"/>
               <a:pPr/>
-              <a:t>10/8/18</a:t>
+              <a:t>9/5/19</a:t>
             </a:fld>
             <a:endParaRPr lang="en-US" dirty="0"/>
           </a:p>
@@ -4884,7 +4884,7 @@
             <a:fld id="{B61BEF0D-F0BB-DE4B-95CE-6DB70DBA9567}" type="datetimeFigureOut">
               <a:rPr lang="en-US" smtClean="0"/>
               <a:pPr/>
-              <a:t>10/8/18</a:t>
+              <a:t>9/5/19</a:t>
             </a:fld>
             <a:endParaRPr lang="en-US" dirty="0"/>
           </a:p>
@@ -5311,7 +5311,7 @@
             <a:fld id="{B61BEF0D-F0BB-DE4B-95CE-6DB70DBA9567}" type="datetimeFigureOut">
               <a:rPr lang="en-US" smtClean="0"/>
               <a:pPr/>
-              <a:t>10/8/18</a:t>
+              <a:t>9/5/19</a:t>
             </a:fld>
             <a:endParaRPr lang="en-US" dirty="0"/>
           </a:p>
@@ -5594,7 +5594,7 @@
             <a:fld id="{B61BEF0D-F0BB-DE4B-95CE-6DB70DBA9567}" type="datetimeFigureOut">
               <a:rPr lang="en-US" smtClean="0"/>
               <a:pPr/>
-              <a:t>10/8/18</a:t>
+              <a:t>9/5/19</a:t>
             </a:fld>
             <a:endParaRPr lang="en-US" dirty="0"/>
           </a:p>
@@ -6173,50 +6173,6 @@
       </p:grpSpPr>
       <p:sp>
         <p:nvSpPr>
-          <p:cNvPr id="4" name="Title 3"/>
-          <p:cNvSpPr>
-            <a:spLocks noGrp="1"/>
-          </p:cNvSpPr>
-          <p:nvPr>
-            <p:ph type="ctrTitle"/>
-          </p:nvPr>
-        </p:nvSpPr>
-        <p:spPr>
-          <a:xfrm>
-            <a:off x="369916" y="1493520"/>
-            <a:ext cx="11795760" cy="777240"/>
-          </a:xfrm>
-        </p:spPr>
-        <p:txBody>
-          <a:bodyPr>
-            <a:normAutofit/>
-          </a:bodyPr>
-          <a:lstStyle/>
-          <a:p>
-            <a:pPr algn="ctr"/>
-            <a:r>
-              <a:rPr lang="en-US" sz="2400" b="1" dirty="0">
-                <a:latin typeface="Times New Roman" panose="02020603050405020304" pitchFamily="18" charset="0"/>
-                <a:cs typeface="Times New Roman" panose="02020603050405020304" pitchFamily="18" charset="0"/>
-              </a:rPr>
-              <a:t>Taming Compiler </a:t>
-            </a:r>
-            <a:r>
-              <a:rPr lang="en-US" sz="2400" b="1" dirty="0" err="1">
-                <a:latin typeface="Times New Roman" panose="02020603050405020304" pitchFamily="18" charset="0"/>
-                <a:cs typeface="Times New Roman" panose="02020603050405020304" pitchFamily="18" charset="0"/>
-              </a:rPr>
-              <a:t>Fuzzers</a:t>
-            </a:r>
-            <a:endParaRPr lang="en-US" sz="2400" b="1" dirty="0">
-              <a:latin typeface="Times New Roman" panose="02020603050405020304" pitchFamily="18" charset="0"/>
-              <a:cs typeface="Times New Roman" panose="02020603050405020304" pitchFamily="18" charset="0"/>
-            </a:endParaRPr>
-          </a:p>
-        </p:txBody>
-      </p:sp>
-      <p:sp>
-        <p:nvSpPr>
           <p:cNvPr id="6" name="Subtitle 5"/>
           <p:cNvSpPr>
             <a:spLocks noGrp="1"/>
@@ -6228,18 +6184,18 @@
         <p:spPr>
           <a:xfrm>
             <a:off x="2316757" y="3497480"/>
-            <a:ext cx="7891272" cy="1069848"/>
+            <a:ext cx="7891272" cy="676955"/>
           </a:xfrm>
         </p:spPr>
         <p:txBody>
           <a:bodyPr vert="horz" lIns="91440" tIns="45720" rIns="91440" bIns="45720" rtlCol="0" anchor="t">
-            <a:normAutofit/>
+            <a:normAutofit lnSpcReduction="10000"/>
           </a:bodyPr>
           <a:lstStyle/>
           <a:p>
             <a:pPr algn="ctr"/>
             <a:r>
-              <a:rPr lang="en-US" sz="2400" dirty="0">
+              <a:rPr lang="en-US" dirty="0">
                 <a:latin typeface="Times New Roman" panose="02020603050405020304" pitchFamily="18" charset="0"/>
                 <a:cs typeface="Times New Roman" panose="02020603050405020304" pitchFamily="18" charset="0"/>
               </a:rPr>
@@ -6257,7 +6213,7 @@
         <p:spPr>
           <a:xfrm>
             <a:off x="2234466" y="2532145"/>
-            <a:ext cx="8066660" cy="830997"/>
+            <a:ext cx="8066660" cy="769441"/>
           </a:xfrm>
           <a:prstGeom prst="rect">
             <a:avLst/>
@@ -6271,69 +6227,117 @@
           <a:p>
             <a:pPr algn="ctr"/>
             <a:r>
-              <a:rPr lang="en-US" sz="2400" dirty="0" err="1">
+              <a:rPr lang="en-US" sz="2200" dirty="0" err="1">
                 <a:latin typeface="Times New Roman" panose="02020603050405020304" pitchFamily="18" charset="0"/>
                 <a:cs typeface="Times New Roman" panose="02020603050405020304" pitchFamily="18" charset="0"/>
               </a:rPr>
               <a:t>Authors:Yang</a:t>
             </a:r>
             <a:r>
-              <a:rPr lang="en-US" sz="2400" dirty="0">
+              <a:rPr lang="en-US" sz="2200" dirty="0">
                 <a:latin typeface="Times New Roman" panose="02020603050405020304" pitchFamily="18" charset="0"/>
                 <a:cs typeface="Times New Roman" panose="02020603050405020304" pitchFamily="18" charset="0"/>
               </a:rPr>
               <a:t> Chen, Alex </a:t>
             </a:r>
             <a:r>
-              <a:rPr lang="en-US" sz="2400" dirty="0" err="1">
+              <a:rPr lang="en-US" sz="2200" dirty="0" err="1">
                 <a:latin typeface="Times New Roman" panose="02020603050405020304" pitchFamily="18" charset="0"/>
                 <a:cs typeface="Times New Roman" panose="02020603050405020304" pitchFamily="18" charset="0"/>
               </a:rPr>
               <a:t>Groce</a:t>
             </a:r>
             <a:r>
-              <a:rPr lang="en-US" sz="2400" dirty="0">
+              <a:rPr lang="en-US" sz="2200" dirty="0">
                 <a:latin typeface="Times New Roman" panose="02020603050405020304" pitchFamily="18" charset="0"/>
                 <a:cs typeface="Times New Roman" panose="02020603050405020304" pitchFamily="18" charset="0"/>
               </a:rPr>
               <a:t>, </a:t>
             </a:r>
             <a:r>
-              <a:rPr lang="en-US" sz="2400" dirty="0" err="1">
+              <a:rPr lang="en-US" sz="2200" dirty="0" err="1">
                 <a:latin typeface="Times New Roman" panose="02020603050405020304" pitchFamily="18" charset="0"/>
                 <a:cs typeface="Times New Roman" panose="02020603050405020304" pitchFamily="18" charset="0"/>
               </a:rPr>
               <a:t>Xiaoli</a:t>
             </a:r>
             <a:r>
-              <a:rPr lang="en-US" sz="2400" dirty="0">
+              <a:rPr lang="en-US" sz="2200" dirty="0">
                 <a:latin typeface="Times New Roman" panose="02020603050405020304" pitchFamily="18" charset="0"/>
                 <a:cs typeface="Times New Roman" panose="02020603050405020304" pitchFamily="18" charset="0"/>
               </a:rPr>
               <a:t> Fern, </a:t>
             </a:r>
             <a:r>
-              <a:rPr lang="en-US" sz="2400" dirty="0" err="1">
+              <a:rPr lang="en-US" sz="2200" dirty="0" err="1">
                 <a:latin typeface="Times New Roman" panose="02020603050405020304" pitchFamily="18" charset="0"/>
                 <a:cs typeface="Times New Roman" panose="02020603050405020304" pitchFamily="18" charset="0"/>
               </a:rPr>
               <a:t>Chaoqiang</a:t>
             </a:r>
             <a:r>
-              <a:rPr lang="en-US" sz="2400" dirty="0">
+              <a:rPr lang="en-US" sz="2200" dirty="0">
                 <a:latin typeface="Times New Roman" panose="02020603050405020304" pitchFamily="18" charset="0"/>
                 <a:cs typeface="Times New Roman" panose="02020603050405020304" pitchFamily="18" charset="0"/>
               </a:rPr>
               <a:t> Zhang, Weng-Keen Wong, Eric Eide, John </a:t>
             </a:r>
             <a:r>
-              <a:rPr lang="en-US" sz="2400" dirty="0" err="1">
+              <a:rPr lang="en-US" sz="2200" dirty="0" err="1">
                 <a:latin typeface="Times New Roman" panose="02020603050405020304" pitchFamily="18" charset="0"/>
                 <a:cs typeface="Times New Roman" panose="02020603050405020304" pitchFamily="18" charset="0"/>
               </a:rPr>
               <a:t>Regehr</a:t>
             </a:r>
-            <a:endParaRPr lang="en-US" sz="2400" dirty="0">
+            <a:endParaRPr lang="en-US" sz="2200" dirty="0">
+              <a:latin typeface="Times New Roman" panose="02020603050405020304" pitchFamily="18" charset="0"/>
+              <a:cs typeface="Times New Roman" panose="02020603050405020304" pitchFamily="18" charset="0"/>
+            </a:endParaRPr>
+          </a:p>
+        </p:txBody>
+      </p:sp>
+      <p:sp>
+        <p:nvSpPr>
+          <p:cNvPr id="5" name="Rectangle 4">
+            <a:extLst>
+              <a:ext uri="{FF2B5EF4-FFF2-40B4-BE49-F238E27FC236}">
+                <a16:creationId xmlns:a16="http://schemas.microsoft.com/office/drawing/2014/main" id="{36822185-154D-4C44-A638-BCB324E74465}"/>
+              </a:ext>
+            </a:extLst>
+          </p:cNvPr>
+          <p:cNvSpPr/>
+          <p:nvPr/>
+        </p:nvSpPr>
+        <p:spPr>
+          <a:xfrm>
+            <a:off x="4642461" y="1693829"/>
+            <a:ext cx="3602076" cy="461665"/>
+          </a:xfrm>
+          <a:prstGeom prst="rect">
+            <a:avLst/>
+          </a:prstGeom>
+        </p:spPr>
+        <p:txBody>
+          <a:bodyPr wrap="none">
+            <a:spAutoFit/>
+          </a:bodyPr>
+          <a:lstStyle/>
+          <a:p>
+            <a:r>
+              <a:rPr lang="en-US" sz="2400" b="1" dirty="0">
+                <a:latin typeface="Times New Roman" panose="02020603050405020304" pitchFamily="18" charset="0"/>
+                <a:cs typeface="Times New Roman" panose="02020603050405020304" pitchFamily="18" charset="0"/>
+              </a:rPr>
+              <a:t>Taming Compiler </a:t>
+            </a:r>
+            <a:r>
+              <a:rPr lang="en-US" sz="2400" b="1" dirty="0" err="1">
+                <a:latin typeface="Times New Roman" panose="02020603050405020304" pitchFamily="18" charset="0"/>
+                <a:cs typeface="Times New Roman" panose="02020603050405020304" pitchFamily="18" charset="0"/>
+              </a:rPr>
+              <a:t>Fuzzers</a:t>
+            </a:r>
+            <a:endParaRPr lang="en-US" sz="2400" b="1" dirty="0">
               <a:latin typeface="Times New Roman" panose="02020603050405020304" pitchFamily="18" charset="0"/>
               <a:cs typeface="Times New Roman" panose="02020603050405020304" pitchFamily="18" charset="0"/>
             </a:endParaRPr>
